--- a/computer-basics-soft-skills/day1/Computer Skills and Soft Skills - Lec-1.pptx
+++ b/computer-basics-soft-skills/day1/Computer Skills and Soft Skills - Lec-1.pptx
@@ -10,8 +10,8 @@
     <p:sldId id="258" r:id="rId4"/>
     <p:sldId id="259" r:id="rId5"/>
     <p:sldId id="261" r:id="rId6"/>
-    <p:sldId id="334" r:id="rId7"/>
-    <p:sldId id="262" r:id="rId8"/>
+    <p:sldId id="262" r:id="rId7"/>
+    <p:sldId id="334" r:id="rId8"/>
     <p:sldId id="263" r:id="rId9"/>
     <p:sldId id="330" r:id="rId10"/>
     <p:sldId id="331" r:id="rId11"/>
@@ -213,7 +213,7 @@
           <a:p>
             <a:fld id="{1D8BD707-D9CF-40AE-B4C6-C98DA3205C09}" type="datetimeFigureOut">
               <a:rPr lang="en-US"/>
-              <a:t>10/31/2025</a:t>
+              <a:t>11/2/2025</a:t>
             </a:fld>
             <a:endParaRPr lang="en-US"/>
           </a:p>
@@ -396,7 +396,7 @@
           <a:p>
             <a:fld id="{1D8BD707-D9CF-40AE-B4C6-C98DA3205C09}" type="datetimeFigureOut">
               <a:rPr lang="en-US"/>
-              <a:t>10/31/2025</a:t>
+              <a:t>11/2/2025</a:t>
             </a:fld>
             <a:endParaRPr lang="en-US"/>
           </a:p>
@@ -616,7 +616,7 @@
           <a:p>
             <a:fld id="{1D8BD707-D9CF-40AE-B4C6-C98DA3205C09}" type="datetimeFigureOut">
               <a:rPr lang="en-US"/>
-              <a:t>10/31/2025</a:t>
+              <a:t>11/2/2025</a:t>
             </a:fld>
             <a:endParaRPr lang="en-US"/>
           </a:p>
@@ -1031,7 +1031,7 @@
           <a:p>
             <a:fld id="{1D8BD707-D9CF-40AE-B4C6-C98DA3205C09}" type="datetimeFigureOut">
               <a:rPr lang="en-US"/>
-              <a:t>10/31/2025</a:t>
+              <a:t>11/2/2025</a:t>
             </a:fld>
             <a:endParaRPr lang="en-US"/>
           </a:p>
@@ -1156,7 +1156,7 @@
           <a:p>
             <a:fld id="{1D8BD707-D9CF-40AE-B4C6-C98DA3205C09}" type="datetimeFigureOut">
               <a:rPr lang="en-US"/>
-              <a:t>10/31/2025</a:t>
+              <a:t>11/2/2025</a:t>
             </a:fld>
             <a:endParaRPr lang="en-US"/>
           </a:p>
@@ -1662,7 +1662,7 @@
           <a:p>
             <a:fld id="{1D8BD707-D9CF-40AE-B4C6-C98DA3205C09}" type="datetimeFigureOut">
               <a:rPr lang="en-US"/>
-              <a:t>10/31/2025</a:t>
+              <a:t>11/2/2025</a:t>
             </a:fld>
             <a:endParaRPr lang="en-US"/>
           </a:p>
@@ -1729,7 +1729,7 @@
           <p:nvPr userDrawn="1">
             <p:extLst>
               <p:ext uri="{1162E1C5-73C7-4A58-AE30-91384D911F3F}">
-                <p184:classification xmlns:p184="http://schemas.microsoft.com/office/powerpoint/2018/4/main" xmlns="" val="ftr"/>
+                <p184:classification xmlns="" xmlns:p184="http://schemas.microsoft.com/office/powerpoint/2018/4/main" val="ftr"/>
               </p:ext>
             </p:extLst>
           </p:nvPr>
@@ -2304,6 +2304,13 @@
   <p:clrMapOvr>
     <a:masterClrMapping/>
   </p:clrMapOvr>
+  <p:timing>
+    <p:tnLst>
+      <p:par>
+        <p:cTn id="1" dur="indefinite" restart="never" nodeType="tmRoot"/>
+      </p:par>
+    </p:tnLst>
+  </p:timing>
 </p:sld>
 </file>
 
@@ -2811,6 +2818,13 @@
   <p:clrMapOvr>
     <a:masterClrMapping/>
   </p:clrMapOvr>
+  <p:timing>
+    <p:tnLst>
+      <p:par>
+        <p:cTn id="1" dur="indefinite" restart="never" nodeType="tmRoot"/>
+      </p:par>
+    </p:tnLst>
+  </p:timing>
 </p:sld>
 </file>
 
@@ -3085,6 +3099,13 @@
   <p:clrMapOvr>
     <a:masterClrMapping/>
   </p:clrMapOvr>
+  <p:timing>
+    <p:tnLst>
+      <p:par>
+        <p:cTn id="1" dur="indefinite" restart="never" nodeType="tmRoot"/>
+      </p:par>
+    </p:tnLst>
+  </p:timing>
 </p:sld>
 </file>
 
@@ -3370,6 +3391,13 @@
   <p:clrMapOvr>
     <a:masterClrMapping/>
   </p:clrMapOvr>
+  <p:timing>
+    <p:tnLst>
+      <p:par>
+        <p:cTn id="1" dur="indefinite" restart="never" nodeType="tmRoot"/>
+      </p:par>
+    </p:tnLst>
+  </p:timing>
 </p:sld>
 </file>
 
@@ -3483,6 +3511,13 @@
   <p:clrMapOvr>
     <a:masterClrMapping/>
   </p:clrMapOvr>
+  <p:timing>
+    <p:tnLst>
+      <p:par>
+        <p:cTn id="1" dur="indefinite" restart="never" nodeType="tmRoot"/>
+      </p:par>
+    </p:tnLst>
+  </p:timing>
 </p:sld>
 </file>
 
@@ -3642,8 +3677,8 @@
         </p:nvSpPr>
         <p:spPr>
           <a:xfrm>
-            <a:off x="990600" y="2057400"/>
-            <a:ext cx="7696200" cy="4801314"/>
+            <a:off x="970085" y="1831671"/>
+            <a:ext cx="6248400" cy="5078313"/>
           </a:xfrm>
           <a:prstGeom prst="rect">
             <a:avLst/>
@@ -3772,6 +3807,46 @@
           </a:p>
         </p:txBody>
       </p:sp>
+      <p:pic>
+        <p:nvPicPr>
+          <p:cNvPr id="4" name="Picture 3"/>
+          <p:cNvPicPr>
+            <a:picLocks noChangeAspect="1"/>
+          </p:cNvPicPr>
+          <p:nvPr/>
+        </p:nvPicPr>
+        <p:blipFill>
+          <a:blip r:embed="rId3">
+            <a:extLst>
+              <a:ext uri="{28A0092B-C50C-407E-A947-70E740481C1C}">
+                <a14:useLocalDpi xmlns:a14="http://schemas.microsoft.com/office/drawing/2010/main" val="0"/>
+              </a:ext>
+            </a:extLst>
+          </a:blip>
+          <a:stretch>
+            <a:fillRect/>
+          </a:stretch>
+        </p:blipFill>
+        <p:spPr>
+          <a:xfrm>
+            <a:off x="7137416" y="2209800"/>
+            <a:ext cx="4999416" cy="4191000"/>
+          </a:xfrm>
+          <a:prstGeom prst="rect">
+            <a:avLst/>
+          </a:prstGeom>
+          <a:ln>
+            <a:noFill/>
+          </a:ln>
+          <a:effectLst>
+            <a:outerShdw blurRad="190500" algn="tl" rotWithShape="0">
+              <a:srgbClr val="000000">
+                <a:alpha val="70000"/>
+              </a:srgbClr>
+            </a:outerShdw>
+          </a:effectLst>
+        </p:spPr>
+      </p:pic>
     </p:spTree>
     <p:extLst>
       <p:ext uri="{BB962C8B-B14F-4D97-AF65-F5344CB8AC3E}">
@@ -3782,6 +3857,13 @@
   <p:clrMapOvr>
     <a:masterClrMapping/>
   </p:clrMapOvr>
+  <p:timing>
+    <p:tnLst>
+      <p:par>
+        <p:cTn id="1" dur="indefinite" restart="never" nodeType="tmRoot"/>
+      </p:par>
+    </p:tnLst>
+  </p:timing>
 </p:sld>
 </file>
 
@@ -4047,6 +4129,36 @@
           </a:p>
         </p:txBody>
       </p:sp>
+      <p:pic>
+        <p:nvPicPr>
+          <p:cNvPr id="7" name="Picture 6"/>
+          <p:cNvPicPr>
+            <a:picLocks noChangeAspect="1"/>
+          </p:cNvPicPr>
+          <p:nvPr/>
+        </p:nvPicPr>
+        <p:blipFill>
+          <a:blip r:embed="rId3">
+            <a:extLst>
+              <a:ext uri="{28A0092B-C50C-407E-A947-70E740481C1C}">
+                <a14:useLocalDpi xmlns:a14="http://schemas.microsoft.com/office/drawing/2010/main" val="0"/>
+              </a:ext>
+            </a:extLst>
+          </a:blip>
+          <a:stretch>
+            <a:fillRect/>
+          </a:stretch>
+        </p:blipFill>
+        <p:spPr>
+          <a:xfrm>
+            <a:off x="8061055" y="3200400"/>
+            <a:ext cx="4090431" cy="3429000"/>
+          </a:xfrm>
+          <a:prstGeom prst="rect">
+            <a:avLst/>
+          </a:prstGeom>
+        </p:spPr>
+      </p:pic>
     </p:spTree>
     <p:extLst>
       <p:ext uri="{BB962C8B-B14F-4D97-AF65-F5344CB8AC3E}">
@@ -4057,6 +4169,13 @@
   <p:clrMapOvr>
     <a:masterClrMapping/>
   </p:clrMapOvr>
+  <p:timing>
+    <p:tnLst>
+      <p:par>
+        <p:cTn id="1" dur="indefinite" restart="never" nodeType="tmRoot"/>
+      </p:par>
+    </p:tnLst>
+  </p:timing>
 </p:sld>
 </file>
 
@@ -4177,6 +4296,13 @@
   <p:clrMapOvr>
     <a:masterClrMapping/>
   </p:clrMapOvr>
+  <p:timing>
+    <p:tnLst>
+      <p:par>
+        <p:cTn id="1" dur="indefinite" restart="never" nodeType="tmRoot"/>
+      </p:par>
+    </p:tnLst>
+  </p:timing>
 </p:sld>
 </file>
 
@@ -4813,6 +4939,46 @@
           </a:p>
         </p:txBody>
       </p:sp>
+      <p:pic>
+        <p:nvPicPr>
+          <p:cNvPr id="4" name="Picture 3"/>
+          <p:cNvPicPr>
+            <a:picLocks noChangeAspect="1"/>
+          </p:cNvPicPr>
+          <p:nvPr/>
+        </p:nvPicPr>
+        <p:blipFill>
+          <a:blip r:embed="rId3">
+            <a:extLst>
+              <a:ext uri="{28A0092B-C50C-407E-A947-70E740481C1C}">
+                <a14:useLocalDpi xmlns:a14="http://schemas.microsoft.com/office/drawing/2010/main" val="0"/>
+              </a:ext>
+            </a:extLst>
+          </a:blip>
+          <a:stretch>
+            <a:fillRect/>
+          </a:stretch>
+        </p:blipFill>
+        <p:spPr>
+          <a:xfrm>
+            <a:off x="6797185" y="1524000"/>
+            <a:ext cx="5186343" cy="4347700"/>
+          </a:xfrm>
+          <a:prstGeom prst="rect">
+            <a:avLst/>
+          </a:prstGeom>
+          <a:ln>
+            <a:noFill/>
+          </a:ln>
+          <a:effectLst>
+            <a:outerShdw blurRad="190500" algn="tl" rotWithShape="0">
+              <a:srgbClr val="000000">
+                <a:alpha val="70000"/>
+              </a:srgbClr>
+            </a:outerShdw>
+          </a:effectLst>
+        </p:spPr>
+      </p:pic>
     </p:spTree>
     <p:extLst>
       <p:ext uri="{BB962C8B-B14F-4D97-AF65-F5344CB8AC3E}">
@@ -4823,6 +4989,13 @@
   <p:clrMapOvr>
     <a:masterClrMapping/>
   </p:clrMapOvr>
+  <p:timing>
+    <p:tnLst>
+      <p:par>
+        <p:cTn id="1" dur="indefinite" restart="never" nodeType="tmRoot"/>
+      </p:par>
+    </p:tnLst>
+  </p:timing>
 </p:sld>
 </file>
 
@@ -5245,6 +5418,36 @@
           </a:p>
         </p:txBody>
       </p:sp>
+      <p:pic>
+        <p:nvPicPr>
+          <p:cNvPr id="4" name="Picture 3"/>
+          <p:cNvPicPr>
+            <a:picLocks noChangeAspect="1"/>
+          </p:cNvPicPr>
+          <p:nvPr/>
+        </p:nvPicPr>
+        <p:blipFill>
+          <a:blip r:embed="rId3">
+            <a:extLst>
+              <a:ext uri="{28A0092B-C50C-407E-A947-70E740481C1C}">
+                <a14:useLocalDpi xmlns:a14="http://schemas.microsoft.com/office/drawing/2010/main" val="0"/>
+              </a:ext>
+            </a:extLst>
+          </a:blip>
+          <a:stretch>
+            <a:fillRect/>
+          </a:stretch>
+        </p:blipFill>
+        <p:spPr>
+          <a:xfrm>
+            <a:off x="5562600" y="1295400"/>
+            <a:ext cx="6013218" cy="5040868"/>
+          </a:xfrm>
+          <a:prstGeom prst="rect">
+            <a:avLst/>
+          </a:prstGeom>
+        </p:spPr>
+      </p:pic>
     </p:spTree>
     <p:extLst>
       <p:ext uri="{BB962C8B-B14F-4D97-AF65-F5344CB8AC3E}">
@@ -5255,6 +5458,13 @@
   <p:clrMapOvr>
     <a:masterClrMapping/>
   </p:clrMapOvr>
+  <p:timing>
+    <p:tnLst>
+      <p:par>
+        <p:cTn id="1" dur="indefinite" restart="never" nodeType="tmRoot"/>
+      </p:par>
+    </p:tnLst>
+  </p:timing>
 </p:sld>
 </file>
 
@@ -5618,6 +5828,36 @@
           </a:p>
         </p:txBody>
       </p:sp>
+      <p:pic>
+        <p:nvPicPr>
+          <p:cNvPr id="4" name="Picture 3"/>
+          <p:cNvPicPr>
+            <a:picLocks noChangeAspect="1"/>
+          </p:cNvPicPr>
+          <p:nvPr/>
+        </p:nvPicPr>
+        <p:blipFill>
+          <a:blip r:embed="rId3">
+            <a:extLst>
+              <a:ext uri="{28A0092B-C50C-407E-A947-70E740481C1C}">
+                <a14:useLocalDpi xmlns:a14="http://schemas.microsoft.com/office/drawing/2010/main" val="0"/>
+              </a:ext>
+            </a:extLst>
+          </a:blip>
+          <a:stretch>
+            <a:fillRect/>
+          </a:stretch>
+        </p:blipFill>
+        <p:spPr>
+          <a:xfrm>
+            <a:off x="6248400" y="1371600"/>
+            <a:ext cx="6090198" cy="5105400"/>
+          </a:xfrm>
+          <a:prstGeom prst="rect">
+            <a:avLst/>
+          </a:prstGeom>
+        </p:spPr>
+      </p:pic>
     </p:spTree>
     <p:extLst>
       <p:ext uri="{BB962C8B-B14F-4D97-AF65-F5344CB8AC3E}">
@@ -5628,6 +5868,13 @@
   <p:clrMapOvr>
     <a:masterClrMapping/>
   </p:clrMapOvr>
+  <p:timing>
+    <p:tnLst>
+      <p:par>
+        <p:cTn id="1" dur="indefinite" restart="never" nodeType="tmRoot"/>
+      </p:par>
+    </p:tnLst>
+  </p:timing>
 </p:sld>
 </file>
 
@@ -6133,6 +6380,13 @@
   <p:clrMapOvr>
     <a:masterClrMapping/>
   </p:clrMapOvr>
+  <p:timing>
+    <p:tnLst>
+      <p:par>
+        <p:cTn id="1" dur="indefinite" restart="never" nodeType="tmRoot"/>
+      </p:par>
+    </p:tnLst>
+  </p:timing>
 </p:sld>
 </file>
 
@@ -6465,6 +6719,46 @@
           </a:p>
         </p:txBody>
       </p:sp>
+      <p:pic>
+        <p:nvPicPr>
+          <p:cNvPr id="4" name="Picture 3"/>
+          <p:cNvPicPr>
+            <a:picLocks noChangeAspect="1"/>
+          </p:cNvPicPr>
+          <p:nvPr/>
+        </p:nvPicPr>
+        <p:blipFill>
+          <a:blip r:embed="rId3">
+            <a:extLst>
+              <a:ext uri="{28A0092B-C50C-407E-A947-70E740481C1C}">
+                <a14:useLocalDpi xmlns:a14="http://schemas.microsoft.com/office/drawing/2010/main" val="0"/>
+              </a:ext>
+            </a:extLst>
+          </a:blip>
+          <a:stretch>
+            <a:fillRect/>
+          </a:stretch>
+        </p:blipFill>
+        <p:spPr>
+          <a:xfrm>
+            <a:off x="6731931" y="1632466"/>
+            <a:ext cx="5272112" cy="4419600"/>
+          </a:xfrm>
+          <a:prstGeom prst="rect">
+            <a:avLst/>
+          </a:prstGeom>
+          <a:ln>
+            <a:noFill/>
+          </a:ln>
+          <a:effectLst>
+            <a:outerShdw blurRad="190500" algn="tl" rotWithShape="0">
+              <a:srgbClr val="000000">
+                <a:alpha val="70000"/>
+              </a:srgbClr>
+            </a:outerShdw>
+          </a:effectLst>
+        </p:spPr>
+      </p:pic>
     </p:spTree>
     <p:extLst>
       <p:ext uri="{BB962C8B-B14F-4D97-AF65-F5344CB8AC3E}">
@@ -6475,6 +6769,13 @@
   <p:clrMapOvr>
     <a:masterClrMapping/>
   </p:clrMapOvr>
+  <p:timing>
+    <p:tnLst>
+      <p:par>
+        <p:cTn id="1" dur="indefinite" restart="never" nodeType="tmRoot"/>
+      </p:par>
+    </p:tnLst>
+  </p:timing>
 </p:sld>
 </file>
 
@@ -6771,6 +7072,46 @@
           </a:p>
         </p:txBody>
       </p:sp>
+      <p:pic>
+        <p:nvPicPr>
+          <p:cNvPr id="4" name="Picture 3"/>
+          <p:cNvPicPr>
+            <a:picLocks noChangeAspect="1"/>
+          </p:cNvPicPr>
+          <p:nvPr/>
+        </p:nvPicPr>
+        <p:blipFill>
+          <a:blip r:embed="rId3">
+            <a:extLst>
+              <a:ext uri="{28A0092B-C50C-407E-A947-70E740481C1C}">
+                <a14:useLocalDpi xmlns:a14="http://schemas.microsoft.com/office/drawing/2010/main" val="0"/>
+              </a:ext>
+            </a:extLst>
+          </a:blip>
+          <a:stretch>
+            <a:fillRect/>
+          </a:stretch>
+        </p:blipFill>
+        <p:spPr>
+          <a:xfrm>
+            <a:off x="7772400" y="1444868"/>
+            <a:ext cx="3368266" cy="4628903"/>
+          </a:xfrm>
+          <a:prstGeom prst="rect">
+            <a:avLst/>
+          </a:prstGeom>
+          <a:ln>
+            <a:noFill/>
+          </a:ln>
+          <a:effectLst>
+            <a:outerShdw blurRad="190500" algn="tl" rotWithShape="0">
+              <a:srgbClr val="000000">
+                <a:alpha val="70000"/>
+              </a:srgbClr>
+            </a:outerShdw>
+          </a:effectLst>
+        </p:spPr>
+      </p:pic>
     </p:spTree>
     <p:extLst>
       <p:ext uri="{BB962C8B-B14F-4D97-AF65-F5344CB8AC3E}">
@@ -6781,6 +7122,13 @@
   <p:clrMapOvr>
     <a:masterClrMapping/>
   </p:clrMapOvr>
+  <p:timing>
+    <p:tnLst>
+      <p:par>
+        <p:cTn id="1" dur="indefinite" restart="never" nodeType="tmRoot"/>
+      </p:par>
+    </p:tnLst>
+  </p:timing>
 </p:sld>
 </file>
 
@@ -7103,6 +7451,46 @@
           </a:p>
         </p:txBody>
       </p:sp>
+      <p:pic>
+        <p:nvPicPr>
+          <p:cNvPr id="4" name="Picture 3"/>
+          <p:cNvPicPr>
+            <a:picLocks noChangeAspect="1"/>
+          </p:cNvPicPr>
+          <p:nvPr/>
+        </p:nvPicPr>
+        <p:blipFill>
+          <a:blip r:embed="rId3">
+            <a:extLst>
+              <a:ext uri="{28A0092B-C50C-407E-A947-70E740481C1C}">
+                <a14:useLocalDpi xmlns:a14="http://schemas.microsoft.com/office/drawing/2010/main" val="0"/>
+              </a:ext>
+            </a:extLst>
+          </a:blip>
+          <a:stretch>
+            <a:fillRect/>
+          </a:stretch>
+        </p:blipFill>
+        <p:spPr>
+          <a:xfrm>
+            <a:off x="7315200" y="2438400"/>
+            <a:ext cx="4440058" cy="2954657"/>
+          </a:xfrm>
+          <a:prstGeom prst="rect">
+            <a:avLst/>
+          </a:prstGeom>
+          <a:ln>
+            <a:noFill/>
+          </a:ln>
+          <a:effectLst>
+            <a:outerShdw blurRad="190500" algn="tl" rotWithShape="0">
+              <a:srgbClr val="000000">
+                <a:alpha val="70000"/>
+              </a:srgbClr>
+            </a:outerShdw>
+          </a:effectLst>
+        </p:spPr>
+      </p:pic>
     </p:spTree>
     <p:extLst>
       <p:ext uri="{BB962C8B-B14F-4D97-AF65-F5344CB8AC3E}">
@@ -7113,6 +7501,13 @@
   <p:clrMapOvr>
     <a:masterClrMapping/>
   </p:clrMapOvr>
+  <p:timing>
+    <p:tnLst>
+      <p:par>
+        <p:cTn id="1" dur="indefinite" restart="never" nodeType="tmRoot"/>
+      </p:par>
+    </p:tnLst>
+  </p:timing>
 </p:sld>
 </file>
 
@@ -7229,6 +7624,13 @@
   <p:clrMapOvr>
     <a:masterClrMapping/>
   </p:clrMapOvr>
+  <p:timing>
+    <p:tnLst>
+      <p:par>
+        <p:cTn id="1" dur="indefinite" restart="never" nodeType="tmRoot"/>
+      </p:par>
+    </p:tnLst>
+  </p:timing>
 </p:sld>
 </file>
 
@@ -7549,6 +7951,86 @@
           </a:p>
         </p:txBody>
       </p:sp>
+      <p:pic>
+        <p:nvPicPr>
+          <p:cNvPr id="4" name="Picture 3"/>
+          <p:cNvPicPr>
+            <a:picLocks noChangeAspect="1"/>
+          </p:cNvPicPr>
+          <p:nvPr/>
+        </p:nvPicPr>
+        <p:blipFill>
+          <a:blip r:embed="rId3" cstate="print">
+            <a:extLst>
+              <a:ext uri="{28A0092B-C50C-407E-A947-70E740481C1C}">
+                <a14:useLocalDpi xmlns:a14="http://schemas.microsoft.com/office/drawing/2010/main" val="0"/>
+              </a:ext>
+            </a:extLst>
+          </a:blip>
+          <a:stretch>
+            <a:fillRect/>
+          </a:stretch>
+        </p:blipFill>
+        <p:spPr>
+          <a:xfrm>
+            <a:off x="7239000" y="1371600"/>
+            <a:ext cx="4385733" cy="2466975"/>
+          </a:xfrm>
+          <a:prstGeom prst="rect">
+            <a:avLst/>
+          </a:prstGeom>
+          <a:ln>
+            <a:noFill/>
+          </a:ln>
+          <a:effectLst>
+            <a:outerShdw blurRad="190500" algn="tl" rotWithShape="0">
+              <a:srgbClr val="000000">
+                <a:alpha val="70000"/>
+              </a:srgbClr>
+            </a:outerShdw>
+          </a:effectLst>
+        </p:spPr>
+      </p:pic>
+      <p:pic>
+        <p:nvPicPr>
+          <p:cNvPr id="7" name="Picture 6"/>
+          <p:cNvPicPr>
+            <a:picLocks noChangeAspect="1"/>
+          </p:cNvPicPr>
+          <p:nvPr/>
+        </p:nvPicPr>
+        <p:blipFill>
+          <a:blip r:embed="rId4">
+            <a:extLst>
+              <a:ext uri="{28A0092B-C50C-407E-A947-70E740481C1C}">
+                <a14:useLocalDpi xmlns:a14="http://schemas.microsoft.com/office/drawing/2010/main" val="0"/>
+              </a:ext>
+            </a:extLst>
+          </a:blip>
+          <a:stretch>
+            <a:fillRect/>
+          </a:stretch>
+        </p:blipFill>
+        <p:spPr>
+          <a:xfrm>
+            <a:off x="7115484" y="4267200"/>
+            <a:ext cx="4632764" cy="1816531"/>
+          </a:xfrm>
+          <a:prstGeom prst="rect">
+            <a:avLst/>
+          </a:prstGeom>
+          <a:ln>
+            <a:noFill/>
+          </a:ln>
+          <a:effectLst>
+            <a:outerShdw blurRad="190500" algn="tl" rotWithShape="0">
+              <a:srgbClr val="000000">
+                <a:alpha val="70000"/>
+              </a:srgbClr>
+            </a:outerShdw>
+          </a:effectLst>
+        </p:spPr>
+      </p:pic>
     </p:spTree>
     <p:extLst>
       <p:ext uri="{BB962C8B-B14F-4D97-AF65-F5344CB8AC3E}">
@@ -7559,6 +8041,13 @@
   <p:clrMapOvr>
     <a:masterClrMapping/>
   </p:clrMapOvr>
+  <p:timing>
+    <p:tnLst>
+      <p:par>
+        <p:cTn id="1" dur="indefinite" restart="never" nodeType="tmRoot"/>
+      </p:par>
+    </p:tnLst>
+  </p:timing>
 </p:sld>
 </file>
 
@@ -7903,6 +8392,36 @@
           </a:p>
         </p:txBody>
       </p:sp>
+      <p:pic>
+        <p:nvPicPr>
+          <p:cNvPr id="4" name="Picture 3"/>
+          <p:cNvPicPr>
+            <a:picLocks noChangeAspect="1"/>
+          </p:cNvPicPr>
+          <p:nvPr/>
+        </p:nvPicPr>
+        <p:blipFill>
+          <a:blip r:embed="rId3" cstate="print">
+            <a:extLst>
+              <a:ext uri="{28A0092B-C50C-407E-A947-70E740481C1C}">
+                <a14:useLocalDpi xmlns:a14="http://schemas.microsoft.com/office/drawing/2010/main" val="0"/>
+              </a:ext>
+            </a:extLst>
+          </a:blip>
+          <a:stretch>
+            <a:fillRect/>
+          </a:stretch>
+        </p:blipFill>
+        <p:spPr>
+          <a:xfrm>
+            <a:off x="7622158" y="2290929"/>
+            <a:ext cx="4529328" cy="3084576"/>
+          </a:xfrm>
+          <a:prstGeom prst="rect">
+            <a:avLst/>
+          </a:prstGeom>
+        </p:spPr>
+      </p:pic>
     </p:spTree>
     <p:extLst>
       <p:ext uri="{BB962C8B-B14F-4D97-AF65-F5344CB8AC3E}">
@@ -7913,6 +8432,13 @@
   <p:clrMapOvr>
     <a:masterClrMapping/>
   </p:clrMapOvr>
+  <p:timing>
+    <p:tnLst>
+      <p:par>
+        <p:cTn id="1" dur="indefinite" restart="never" nodeType="tmRoot"/>
+      </p:par>
+    </p:tnLst>
+  </p:timing>
 </p:sld>
 </file>
 
@@ -8029,6 +8555,13 @@
   <p:clrMapOvr>
     <a:masterClrMapping/>
   </p:clrMapOvr>
+  <p:timing>
+    <p:tnLst>
+      <p:par>
+        <p:cTn id="1" dur="indefinite" restart="never" nodeType="tmRoot"/>
+      </p:par>
+    </p:tnLst>
+  </p:timing>
 </p:sld>
 </file>
 
@@ -8411,6 +8944,66 @@
           </a:p>
         </p:txBody>
       </p:sp>
+      <p:pic>
+        <p:nvPicPr>
+          <p:cNvPr id="8" name="Picture 7"/>
+          <p:cNvPicPr>
+            <a:picLocks noChangeAspect="1"/>
+          </p:cNvPicPr>
+          <p:nvPr/>
+        </p:nvPicPr>
+        <p:blipFill>
+          <a:blip r:embed="rId3" cstate="print">
+            <a:extLst>
+              <a:ext uri="{28A0092B-C50C-407E-A947-70E740481C1C}">
+                <a14:useLocalDpi xmlns:a14="http://schemas.microsoft.com/office/drawing/2010/main" val="0"/>
+              </a:ext>
+            </a:extLst>
+          </a:blip>
+          <a:stretch>
+            <a:fillRect/>
+          </a:stretch>
+        </p:blipFill>
+        <p:spPr>
+          <a:xfrm>
+            <a:off x="8452399" y="3950970"/>
+            <a:ext cx="3699087" cy="2590800"/>
+          </a:xfrm>
+          <a:prstGeom prst="rect">
+            <a:avLst/>
+          </a:prstGeom>
+        </p:spPr>
+      </p:pic>
+      <p:pic>
+        <p:nvPicPr>
+          <p:cNvPr id="9" name="Picture 8"/>
+          <p:cNvPicPr>
+            <a:picLocks noChangeAspect="1"/>
+          </p:cNvPicPr>
+          <p:nvPr/>
+        </p:nvPicPr>
+        <p:blipFill>
+          <a:blip r:embed="rId4">
+            <a:extLst>
+              <a:ext uri="{28A0092B-C50C-407E-A947-70E740481C1C}">
+                <a14:useLocalDpi xmlns:a14="http://schemas.microsoft.com/office/drawing/2010/main" val="0"/>
+              </a:ext>
+            </a:extLst>
+          </a:blip>
+          <a:stretch>
+            <a:fillRect/>
+          </a:stretch>
+        </p:blipFill>
+        <p:spPr>
+          <a:xfrm>
+            <a:off x="8286017" y="1619771"/>
+            <a:ext cx="3914775" cy="2569516"/>
+          </a:xfrm>
+          <a:prstGeom prst="rect">
+            <a:avLst/>
+          </a:prstGeom>
+        </p:spPr>
+      </p:pic>
     </p:spTree>
     <p:extLst>
       <p:ext uri="{BB962C8B-B14F-4D97-AF65-F5344CB8AC3E}">
@@ -8421,6 +9014,13 @@
   <p:clrMapOvr>
     <a:masterClrMapping/>
   </p:clrMapOvr>
+  <p:timing>
+    <p:tnLst>
+      <p:par>
+        <p:cTn id="1" dur="indefinite" restart="never" nodeType="tmRoot"/>
+      </p:par>
+    </p:tnLst>
+  </p:timing>
 </p:sld>
 </file>
 
@@ -8835,10 +9435,69 @@
               <a:rPr lang="en-US" sz="1600" dirty="0" smtClean="0"/>
               <a:t>Report the mistake to your manager, and be part of the solution. This builds trust.</a:t>
             </a:r>
-            <a:endParaRPr lang="en-US" sz="1600" dirty="0" smtClean="0"/>
-          </a:p>
-        </p:txBody>
-      </p:sp>
+          </a:p>
+        </p:txBody>
+      </p:sp>
+      <p:pic>
+        <p:nvPicPr>
+          <p:cNvPr id="7" name="Picture 6"/>
+          <p:cNvPicPr>
+            <a:picLocks noChangeAspect="1"/>
+          </p:cNvPicPr>
+          <p:nvPr/>
+        </p:nvPicPr>
+        <p:blipFill>
+          <a:blip r:embed="rId3" cstate="print">
+            <a:extLst>
+              <a:ext uri="{28A0092B-C50C-407E-A947-70E740481C1C}">
+                <a14:useLocalDpi xmlns:a14="http://schemas.microsoft.com/office/drawing/2010/main" val="0"/>
+              </a:ext>
+            </a:extLst>
+          </a:blip>
+          <a:stretch>
+            <a:fillRect/>
+          </a:stretch>
+        </p:blipFill>
+        <p:spPr>
+          <a:xfrm>
+            <a:off x="7315200" y="4495800"/>
+            <a:ext cx="4576570" cy="1959770"/>
+          </a:xfrm>
+          <a:prstGeom prst="rect">
+            <a:avLst/>
+          </a:prstGeom>
+        </p:spPr>
+      </p:pic>
+      <p:pic>
+        <p:nvPicPr>
+          <p:cNvPr id="9" name="Picture 8"/>
+          <p:cNvPicPr>
+            <a:picLocks noChangeAspect="1"/>
+          </p:cNvPicPr>
+          <p:nvPr/>
+        </p:nvPicPr>
+        <p:blipFill>
+          <a:blip r:embed="rId4">
+            <a:extLst>
+              <a:ext uri="{28A0092B-C50C-407E-A947-70E740481C1C}">
+                <a14:useLocalDpi xmlns:a14="http://schemas.microsoft.com/office/drawing/2010/main" val="0"/>
+              </a:ext>
+            </a:extLst>
+          </a:blip>
+          <a:stretch>
+            <a:fillRect/>
+          </a:stretch>
+        </p:blipFill>
+        <p:spPr>
+          <a:xfrm>
+            <a:off x="7315200" y="1919287"/>
+            <a:ext cx="4479229" cy="2409825"/>
+          </a:xfrm>
+          <a:prstGeom prst="rect">
+            <a:avLst/>
+          </a:prstGeom>
+        </p:spPr>
+      </p:pic>
     </p:spTree>
     <p:extLst>
       <p:ext uri="{BB962C8B-B14F-4D97-AF65-F5344CB8AC3E}">
@@ -8849,6 +9508,13 @@
   <p:clrMapOvr>
     <a:masterClrMapping/>
   </p:clrMapOvr>
+  <p:timing>
+    <p:tnLst>
+      <p:par>
+        <p:cTn id="1" dur="indefinite" restart="never" nodeType="tmRoot"/>
+      </p:par>
+    </p:tnLst>
+  </p:timing>
 </p:sld>
 </file>
 
@@ -9152,6 +9818,13 @@
   <p:clrMapOvr>
     <a:masterClrMapping/>
   </p:clrMapOvr>
+  <p:timing>
+    <p:tnLst>
+      <p:par>
+        <p:cTn id="1" dur="indefinite" restart="never" nodeType="tmRoot"/>
+      </p:par>
+    </p:tnLst>
+  </p:timing>
 </p:sld>
 </file>
 
@@ -9233,28 +9906,6 @@
           </a:p>
         </p:txBody>
       </p:sp>
-      <p:pic>
-        <p:nvPicPr>
-          <p:cNvPr id="3" name="object 3"/>
-          <p:cNvPicPr/>
-          <p:nvPr/>
-        </p:nvPicPr>
-        <p:blipFill>
-          <a:blip r:embed="rId2" cstate="print"/>
-          <a:stretch>
-            <a:fillRect/>
-          </a:stretch>
-        </p:blipFill>
-        <p:spPr>
-          <a:xfrm>
-            <a:off x="8066531" y="2225039"/>
-            <a:ext cx="2849879" cy="2196083"/>
-          </a:xfrm>
-          <a:prstGeom prst="rect">
-            <a:avLst/>
-          </a:prstGeom>
-        </p:spPr>
-      </p:pic>
       <p:sp>
         <p:nvSpPr>
           <p:cNvPr id="4" name="object 4"/>
@@ -9626,11 +10277,58 @@
           </a:p>
         </p:txBody>
       </p:sp>
+      <p:pic>
+        <p:nvPicPr>
+          <p:cNvPr id="7" name="Picture 6"/>
+          <p:cNvPicPr>
+            <a:picLocks noChangeAspect="1"/>
+          </p:cNvPicPr>
+          <p:nvPr/>
+        </p:nvPicPr>
+        <p:blipFill>
+          <a:blip r:embed="rId2">
+            <a:extLst>
+              <a:ext uri="{28A0092B-C50C-407E-A947-70E740481C1C}">
+                <a14:useLocalDpi xmlns:a14="http://schemas.microsoft.com/office/drawing/2010/main" val="0"/>
+              </a:ext>
+            </a:extLst>
+          </a:blip>
+          <a:stretch>
+            <a:fillRect/>
+          </a:stretch>
+        </p:blipFill>
+        <p:spPr>
+          <a:xfrm>
+            <a:off x="5715000" y="2057400"/>
+            <a:ext cx="4973951" cy="3309938"/>
+          </a:xfrm>
+          <a:prstGeom prst="rect">
+            <a:avLst/>
+          </a:prstGeom>
+          <a:ln>
+            <a:noFill/>
+          </a:ln>
+          <a:effectLst>
+            <a:outerShdw blurRad="190500" algn="tl" rotWithShape="0">
+              <a:srgbClr val="000000">
+                <a:alpha val="70000"/>
+              </a:srgbClr>
+            </a:outerShdw>
+          </a:effectLst>
+        </p:spPr>
+      </p:pic>
     </p:spTree>
   </p:cSld>
   <p:clrMapOvr>
     <a:masterClrMapping/>
   </p:clrMapOvr>
+  <p:timing>
+    <p:tnLst>
+      <p:par>
+        <p:cTn id="1" dur="indefinite" restart="never" nodeType="tmRoot"/>
+      </p:par>
+    </p:tnLst>
+  </p:timing>
 </p:sld>
 </file>
 
@@ -10902,6 +11600,13 @@
   <p:clrMapOvr>
     <a:masterClrMapping/>
   </p:clrMapOvr>
+  <p:timing>
+    <p:tnLst>
+      <p:par>
+        <p:cTn id="1" dur="indefinite" restart="never" nodeType="tmRoot"/>
+      </p:par>
+    </p:tnLst>
+  </p:timing>
 </p:sld>
 </file>
 
@@ -11182,7 +11887,7 @@
         <p:spPr>
           <a:xfrm>
             <a:off x="380623" y="1805202"/>
-            <a:ext cx="9220577" cy="4757071"/>
+            <a:ext cx="10973177" cy="3525965"/>
           </a:xfrm>
           <a:prstGeom prst="rect">
             <a:avLst/>
@@ -11601,7 +12306,7 @@
         </p:blipFill>
         <p:spPr>
           <a:xfrm>
-            <a:off x="9430165" y="1249680"/>
+            <a:off x="9660014" y="2209800"/>
             <a:ext cx="2410147" cy="1581150"/>
           </a:xfrm>
           <a:prstGeom prst="rect">
@@ -11648,6 +12353,13 @@
   <p:clrMapOvr>
     <a:masterClrMapping/>
   </p:clrMapOvr>
+  <p:timing>
+    <p:tnLst>
+      <p:par>
+        <p:cTn id="1" dur="indefinite" restart="never" nodeType="tmRoot"/>
+      </p:par>
+    </p:tnLst>
+  </p:timing>
 </p:sld>
 </file>
 
@@ -11887,6 +12599,13 @@
   <p:clrMapOvr>
     <a:masterClrMapping/>
   </p:clrMapOvr>
+  <p:timing>
+    <p:tnLst>
+      <p:par>
+        <p:cTn id="1" dur="indefinite" restart="never" nodeType="tmRoot"/>
+      </p:par>
+    </p:tnLst>
+  </p:timing>
 </p:sld>
 </file>
 
@@ -11919,45 +12638,233 @@
         </p:nvSpPr>
         <p:spPr>
           <a:xfrm>
-            <a:off x="2133600" y="2133600"/>
-            <a:ext cx="7467600" cy="2739929"/>
-          </a:xfrm>
-          <a:prstGeom prst="rect">
-            <a:avLst/>
-          </a:prstGeom>
-        </p:spPr>
-        <p:txBody>
-          <a:bodyPr vert="horz" wrap="square" lIns="0" tIns="244551" rIns="0" bIns="0" rtlCol="0" anchor="ctr">
+            <a:off x="1752600" y="228600"/>
+            <a:ext cx="3465195" cy="452120"/>
+          </a:xfrm>
+          <a:prstGeom prst="rect">
+            <a:avLst/>
+          </a:prstGeom>
+        </p:spPr>
+        <p:txBody>
+          <a:bodyPr vert="horz" wrap="square" lIns="0" tIns="12065" rIns="0" bIns="0" rtlCol="0">
             <a:spAutoFit/>
           </a:bodyPr>
           <a:lstStyle/>
           <a:p>
-            <a:pPr algn="ctr"/>
-            <a:r>
-              <a:rPr lang="en-US" sz="5400" dirty="0"/>
-              <a:t>Module 1: </a:t>
-            </a:r>
-            <a:r>
-              <a:rPr lang="en-US" sz="5400" dirty="0" smtClean="0"/>
-              <a:t/>
-            </a:r>
-            <a:br>
-              <a:rPr lang="en-US" sz="5400" dirty="0" smtClean="0"/>
-            </a:br>
-            <a:r>
-              <a:rPr lang="en-US" sz="5400" dirty="0" smtClean="0"/>
-              <a:t>Computer </a:t>
-            </a:r>
-            <a:r>
-              <a:rPr lang="en-US" sz="5400" dirty="0"/>
-              <a:t>Hardware Basics</a:t>
-            </a:r>
-          </a:p>
-        </p:txBody>
-      </p:sp>
-      <p:sp>
-        <p:nvSpPr>
-          <p:cNvPr id="5" name="object 5"/>
+            <a:pPr marL="12700">
+              <a:lnSpc>
+                <a:spcPct val="100000"/>
+              </a:lnSpc>
+              <a:spcBef>
+                <a:spcPts val="95"/>
+              </a:spcBef>
+              <a:tabLst>
+                <a:tab pos="1731645" algn="l"/>
+              </a:tabLst>
+            </a:pPr>
+            <a:r>
+              <a:rPr lang="en-US" sz="2800" dirty="0" smtClean="0"/>
+              <a:t>Quiz </a:t>
+            </a:r>
+            <a:r>
+              <a:rPr sz="2800" spc="-10" dirty="0" smtClean="0"/>
+              <a:t>Reflection</a:t>
+            </a:r>
+            <a:endParaRPr sz="2800" dirty="0"/>
+          </a:p>
+        </p:txBody>
+      </p:sp>
+      <p:sp>
+        <p:nvSpPr>
+          <p:cNvPr id="3" name="object 3"/>
+          <p:cNvSpPr txBox="1"/>
+          <p:nvPr/>
+        </p:nvSpPr>
+        <p:spPr>
+          <a:xfrm>
+            <a:off x="837082" y="2358593"/>
+            <a:ext cx="5652135" cy="2947602"/>
+          </a:xfrm>
+          <a:prstGeom prst="rect">
+            <a:avLst/>
+          </a:prstGeom>
+        </p:spPr>
+        <p:txBody>
+          <a:bodyPr vert="horz" wrap="square" lIns="0" tIns="13335" rIns="0" bIns="0" rtlCol="0">
+            <a:spAutoFit/>
+          </a:bodyPr>
+          <a:lstStyle/>
+          <a:p>
+            <a:pPr marL="12700">
+              <a:lnSpc>
+                <a:spcPct val="100000"/>
+              </a:lnSpc>
+              <a:spcBef>
+                <a:spcPts val="105"/>
+              </a:spcBef>
+            </a:pPr>
+            <a:r>
+              <a:rPr lang="en-US" sz="2000" dirty="0" smtClean="0">
+                <a:latin typeface="Arial MT"/>
+                <a:cs typeface="Arial MT"/>
+              </a:rPr>
+              <a:t>How many got the full mark?</a:t>
+            </a:r>
+            <a:r>
+              <a:rPr lang="ar-EG" sz="2000" dirty="0" smtClean="0">
+                <a:latin typeface="Arial MT"/>
+                <a:cs typeface="Arial MT"/>
+              </a:rPr>
+              <a:t>  </a:t>
+            </a:r>
+          </a:p>
+          <a:p>
+            <a:pPr marL="12700">
+              <a:lnSpc>
+                <a:spcPct val="100000"/>
+              </a:lnSpc>
+              <a:spcBef>
+                <a:spcPts val="105"/>
+              </a:spcBef>
+            </a:pPr>
+            <a:endParaRPr lang="ar-EG" sz="2000" dirty="0">
+              <a:latin typeface="Arial MT"/>
+              <a:cs typeface="Arial MT"/>
+            </a:endParaRPr>
+          </a:p>
+          <a:p>
+            <a:pPr marL="12700">
+              <a:lnSpc>
+                <a:spcPct val="100000"/>
+              </a:lnSpc>
+              <a:spcBef>
+                <a:spcPts val="105"/>
+              </a:spcBef>
+            </a:pPr>
+            <a:r>
+              <a:rPr lang="en-US" sz="2000" dirty="0" smtClean="0">
+                <a:latin typeface="Arial MT"/>
+                <a:cs typeface="Arial MT"/>
+              </a:rPr>
+              <a:t>How got more than 50% correct?</a:t>
+            </a:r>
+          </a:p>
+          <a:p>
+            <a:pPr marL="12700">
+              <a:lnSpc>
+                <a:spcPct val="100000"/>
+              </a:lnSpc>
+              <a:spcBef>
+                <a:spcPts val="105"/>
+              </a:spcBef>
+            </a:pPr>
+            <a:endParaRPr lang="en-US" sz="2000" dirty="0">
+              <a:latin typeface="Arial MT"/>
+              <a:cs typeface="Arial MT"/>
+            </a:endParaRPr>
+          </a:p>
+          <a:p>
+            <a:pPr marL="12700">
+              <a:lnSpc>
+                <a:spcPct val="100000"/>
+              </a:lnSpc>
+              <a:spcBef>
+                <a:spcPts val="105"/>
+              </a:spcBef>
+            </a:pPr>
+            <a:r>
+              <a:rPr lang="en-US" sz="2000" dirty="0" smtClean="0">
+                <a:latin typeface="Arial MT"/>
+                <a:cs typeface="Arial MT"/>
+              </a:rPr>
+              <a:t>How many got them all wrong?</a:t>
+            </a:r>
+          </a:p>
+          <a:p>
+            <a:pPr marL="12700">
+              <a:lnSpc>
+                <a:spcPct val="100000"/>
+              </a:lnSpc>
+              <a:spcBef>
+                <a:spcPts val="105"/>
+              </a:spcBef>
+            </a:pPr>
+            <a:endParaRPr lang="en-US" sz="2000" dirty="0">
+              <a:latin typeface="Arial MT"/>
+              <a:cs typeface="Arial MT"/>
+            </a:endParaRPr>
+          </a:p>
+          <a:p>
+            <a:pPr marL="12700">
+              <a:lnSpc>
+                <a:spcPct val="100000"/>
+              </a:lnSpc>
+              <a:spcBef>
+                <a:spcPts val="105"/>
+              </a:spcBef>
+            </a:pPr>
+            <a:endParaRPr lang="en-US" sz="2000" dirty="0" smtClean="0">
+              <a:latin typeface="Arial MT"/>
+              <a:cs typeface="Arial MT"/>
+            </a:endParaRPr>
+          </a:p>
+          <a:p>
+            <a:pPr marL="12700">
+              <a:lnSpc>
+                <a:spcPct val="100000"/>
+              </a:lnSpc>
+              <a:spcBef>
+                <a:spcPts val="105"/>
+              </a:spcBef>
+            </a:pPr>
+            <a:endParaRPr lang="en-US" sz="2000" dirty="0">
+              <a:latin typeface="Arial MT"/>
+              <a:cs typeface="Arial MT"/>
+            </a:endParaRPr>
+          </a:p>
+          <a:p>
+            <a:pPr marL="12700">
+              <a:lnSpc>
+                <a:spcPct val="100000"/>
+              </a:lnSpc>
+              <a:spcBef>
+                <a:spcPts val="105"/>
+              </a:spcBef>
+            </a:pPr>
+            <a:r>
+              <a:rPr lang="en-US" sz="2000" dirty="0" smtClean="0">
+                <a:latin typeface="Arial MT"/>
+                <a:cs typeface="Arial MT"/>
+              </a:rPr>
+              <a:t>It’s </a:t>
+            </a:r>
+            <a:r>
+              <a:rPr lang="en-US" sz="2400" b="1" dirty="0" smtClean="0">
+                <a:solidFill>
+                  <a:srgbClr val="00B050"/>
+                </a:solidFill>
+                <a:latin typeface="Arial MT"/>
+                <a:cs typeface="Arial MT"/>
+              </a:rPr>
+              <a:t>OK</a:t>
+            </a:r>
+            <a:r>
+              <a:rPr lang="en-US" sz="2000" dirty="0" smtClean="0">
+                <a:latin typeface="Arial MT"/>
+                <a:cs typeface="Arial MT"/>
+              </a:rPr>
+              <a:t> either way </a:t>
+            </a:r>
+            <a:endParaRPr sz="2000" dirty="0">
+              <a:latin typeface="Arial MT"/>
+              <a:cs typeface="Arial MT"/>
+            </a:endParaRPr>
+          </a:p>
+        </p:txBody>
+      </p:sp>
+      <p:sp>
+        <p:nvSpPr>
+          <p:cNvPr id="7" name="object 7"/>
           <p:cNvSpPr txBox="1">
             <a:spLocks noGrp="1"/>
           </p:cNvSpPr>
@@ -11989,16 +12896,42 @@
           </a:p>
         </p:txBody>
       </p:sp>
+      <p:pic>
+        <p:nvPicPr>
+          <p:cNvPr id="8" name="Picture 7"/>
+          <p:cNvPicPr>
+            <a:picLocks noChangeAspect="1"/>
+          </p:cNvPicPr>
+          <p:nvPr/>
+        </p:nvPicPr>
+        <p:blipFill>
+          <a:blip r:embed="rId2"/>
+          <a:stretch>
+            <a:fillRect/>
+          </a:stretch>
+        </p:blipFill>
+        <p:spPr>
+          <a:xfrm>
+            <a:off x="6456979" y="1143000"/>
+            <a:ext cx="4249978" cy="4657725"/>
+          </a:xfrm>
+          <a:prstGeom prst="rect">
+            <a:avLst/>
+          </a:prstGeom>
+        </p:spPr>
+      </p:pic>
     </p:spTree>
-    <p:extLst>
-      <p:ext uri="{BB962C8B-B14F-4D97-AF65-F5344CB8AC3E}">
-        <p14:creationId xmlns:p14="http://schemas.microsoft.com/office/powerpoint/2010/main" val="2130405306"/>
-      </p:ext>
-    </p:extLst>
   </p:cSld>
   <p:clrMapOvr>
     <a:masterClrMapping/>
   </p:clrMapOvr>
+  <p:timing>
+    <p:tnLst>
+      <p:par>
+        <p:cTn id="1" dur="indefinite" restart="never" nodeType="tmRoot"/>
+      </p:par>
+    </p:tnLst>
+  </p:timing>
 </p:sld>
 </file>
 
@@ -12031,233 +12964,45 @@
         </p:nvSpPr>
         <p:spPr>
           <a:xfrm>
-            <a:off x="1752600" y="228600"/>
-            <a:ext cx="3465195" cy="452120"/>
-          </a:xfrm>
-          <a:prstGeom prst="rect">
-            <a:avLst/>
-          </a:prstGeom>
-        </p:spPr>
-        <p:txBody>
-          <a:bodyPr vert="horz" wrap="square" lIns="0" tIns="12065" rIns="0" bIns="0" rtlCol="0">
+            <a:off x="2133600" y="2133600"/>
+            <a:ext cx="7467600" cy="2739929"/>
+          </a:xfrm>
+          <a:prstGeom prst="rect">
+            <a:avLst/>
+          </a:prstGeom>
+        </p:spPr>
+        <p:txBody>
+          <a:bodyPr vert="horz" wrap="square" lIns="0" tIns="244551" rIns="0" bIns="0" rtlCol="0" anchor="ctr">
             <a:spAutoFit/>
           </a:bodyPr>
           <a:lstStyle/>
           <a:p>
-            <a:pPr marL="12700">
-              <a:lnSpc>
-                <a:spcPct val="100000"/>
-              </a:lnSpc>
-              <a:spcBef>
-                <a:spcPts val="95"/>
-              </a:spcBef>
-              <a:tabLst>
-                <a:tab pos="1731645" algn="l"/>
-              </a:tabLst>
-            </a:pPr>
-            <a:r>
-              <a:rPr lang="en-US" sz="2800" dirty="0" smtClean="0"/>
-              <a:t>Quiz </a:t>
-            </a:r>
-            <a:r>
-              <a:rPr sz="2800" spc="-10" dirty="0" smtClean="0"/>
-              <a:t>Reflection</a:t>
-            </a:r>
-            <a:endParaRPr sz="2800" dirty="0"/>
-          </a:p>
-        </p:txBody>
-      </p:sp>
-      <p:sp>
-        <p:nvSpPr>
-          <p:cNvPr id="3" name="object 3"/>
-          <p:cNvSpPr txBox="1"/>
-          <p:nvPr/>
-        </p:nvSpPr>
-        <p:spPr>
-          <a:xfrm>
-            <a:off x="837082" y="2358593"/>
-            <a:ext cx="5652135" cy="2947602"/>
-          </a:xfrm>
-          <a:prstGeom prst="rect">
-            <a:avLst/>
-          </a:prstGeom>
-        </p:spPr>
-        <p:txBody>
-          <a:bodyPr vert="horz" wrap="square" lIns="0" tIns="13335" rIns="0" bIns="0" rtlCol="0">
-            <a:spAutoFit/>
-          </a:bodyPr>
-          <a:lstStyle/>
-          <a:p>
-            <a:pPr marL="12700">
-              <a:lnSpc>
-                <a:spcPct val="100000"/>
-              </a:lnSpc>
-              <a:spcBef>
-                <a:spcPts val="105"/>
-              </a:spcBef>
-            </a:pPr>
-            <a:r>
-              <a:rPr lang="en-US" sz="2000" dirty="0" smtClean="0">
-                <a:latin typeface="Arial MT"/>
-                <a:cs typeface="Arial MT"/>
-              </a:rPr>
-              <a:t>How many got the full mark?</a:t>
-            </a:r>
-            <a:r>
-              <a:rPr lang="ar-EG" sz="2000" dirty="0" smtClean="0">
-                <a:latin typeface="Arial MT"/>
-                <a:cs typeface="Arial MT"/>
-              </a:rPr>
-              <a:t>  </a:t>
-            </a:r>
-          </a:p>
-          <a:p>
-            <a:pPr marL="12700">
-              <a:lnSpc>
-                <a:spcPct val="100000"/>
-              </a:lnSpc>
-              <a:spcBef>
-                <a:spcPts val="105"/>
-              </a:spcBef>
-            </a:pPr>
-            <a:endParaRPr lang="ar-EG" sz="2000" dirty="0">
-              <a:latin typeface="Arial MT"/>
-              <a:cs typeface="Arial MT"/>
-            </a:endParaRPr>
-          </a:p>
-          <a:p>
-            <a:pPr marL="12700">
-              <a:lnSpc>
-                <a:spcPct val="100000"/>
-              </a:lnSpc>
-              <a:spcBef>
-                <a:spcPts val="105"/>
-              </a:spcBef>
-            </a:pPr>
-            <a:r>
-              <a:rPr lang="en-US" sz="2000" dirty="0" smtClean="0">
-                <a:latin typeface="Arial MT"/>
-                <a:cs typeface="Arial MT"/>
-              </a:rPr>
-              <a:t>How got more than 50% correct?</a:t>
-            </a:r>
-          </a:p>
-          <a:p>
-            <a:pPr marL="12700">
-              <a:lnSpc>
-                <a:spcPct val="100000"/>
-              </a:lnSpc>
-              <a:spcBef>
-                <a:spcPts val="105"/>
-              </a:spcBef>
-            </a:pPr>
-            <a:endParaRPr lang="en-US" sz="2000" dirty="0">
-              <a:latin typeface="Arial MT"/>
-              <a:cs typeface="Arial MT"/>
-            </a:endParaRPr>
-          </a:p>
-          <a:p>
-            <a:pPr marL="12700">
-              <a:lnSpc>
-                <a:spcPct val="100000"/>
-              </a:lnSpc>
-              <a:spcBef>
-                <a:spcPts val="105"/>
-              </a:spcBef>
-            </a:pPr>
-            <a:r>
-              <a:rPr lang="en-US" sz="2000" dirty="0" smtClean="0">
-                <a:latin typeface="Arial MT"/>
-                <a:cs typeface="Arial MT"/>
-              </a:rPr>
-              <a:t>How many got them all wrong?</a:t>
-            </a:r>
-          </a:p>
-          <a:p>
-            <a:pPr marL="12700">
-              <a:lnSpc>
-                <a:spcPct val="100000"/>
-              </a:lnSpc>
-              <a:spcBef>
-                <a:spcPts val="105"/>
-              </a:spcBef>
-            </a:pPr>
-            <a:endParaRPr lang="en-US" sz="2000" dirty="0">
-              <a:latin typeface="Arial MT"/>
-              <a:cs typeface="Arial MT"/>
-            </a:endParaRPr>
-          </a:p>
-          <a:p>
-            <a:pPr marL="12700">
-              <a:lnSpc>
-                <a:spcPct val="100000"/>
-              </a:lnSpc>
-              <a:spcBef>
-                <a:spcPts val="105"/>
-              </a:spcBef>
-            </a:pPr>
-            <a:endParaRPr lang="en-US" sz="2000" dirty="0" smtClean="0">
-              <a:latin typeface="Arial MT"/>
-              <a:cs typeface="Arial MT"/>
-            </a:endParaRPr>
-          </a:p>
-          <a:p>
-            <a:pPr marL="12700">
-              <a:lnSpc>
-                <a:spcPct val="100000"/>
-              </a:lnSpc>
-              <a:spcBef>
-                <a:spcPts val="105"/>
-              </a:spcBef>
-            </a:pPr>
-            <a:endParaRPr lang="en-US" sz="2000" dirty="0">
-              <a:latin typeface="Arial MT"/>
-              <a:cs typeface="Arial MT"/>
-            </a:endParaRPr>
-          </a:p>
-          <a:p>
-            <a:pPr marL="12700">
-              <a:lnSpc>
-                <a:spcPct val="100000"/>
-              </a:lnSpc>
-              <a:spcBef>
-                <a:spcPts val="105"/>
-              </a:spcBef>
-            </a:pPr>
-            <a:r>
-              <a:rPr lang="en-US" sz="2000" dirty="0" smtClean="0">
-                <a:latin typeface="Arial MT"/>
-                <a:cs typeface="Arial MT"/>
-              </a:rPr>
-              <a:t>It’s </a:t>
-            </a:r>
-            <a:r>
-              <a:rPr lang="en-US" sz="2400" b="1" dirty="0" smtClean="0">
-                <a:solidFill>
-                  <a:srgbClr val="00B050"/>
-                </a:solidFill>
-                <a:latin typeface="Arial MT"/>
-                <a:cs typeface="Arial MT"/>
-              </a:rPr>
-              <a:t>OK</a:t>
-            </a:r>
-            <a:r>
-              <a:rPr lang="en-US" sz="2000" dirty="0" smtClean="0">
-                <a:latin typeface="Arial MT"/>
-                <a:cs typeface="Arial MT"/>
-              </a:rPr>
-              <a:t> either way </a:t>
-            </a:r>
-            <a:endParaRPr sz="2000" dirty="0">
-              <a:latin typeface="Arial MT"/>
-              <a:cs typeface="Arial MT"/>
-            </a:endParaRPr>
-          </a:p>
-        </p:txBody>
-      </p:sp>
-      <p:sp>
-        <p:nvSpPr>
-          <p:cNvPr id="7" name="object 7"/>
+            <a:pPr algn="ctr"/>
+            <a:r>
+              <a:rPr lang="en-US" sz="5400" dirty="0"/>
+              <a:t>Module 1: </a:t>
+            </a:r>
+            <a:r>
+              <a:rPr lang="en-US" sz="5400" dirty="0" smtClean="0"/>
+              <a:t/>
+            </a:r>
+            <a:br>
+              <a:rPr lang="en-US" sz="5400" dirty="0" smtClean="0"/>
+            </a:br>
+            <a:r>
+              <a:rPr lang="en-US" sz="5400" dirty="0" smtClean="0"/>
+              <a:t>Computer </a:t>
+            </a:r>
+            <a:r>
+              <a:rPr lang="en-US" sz="5400" dirty="0"/>
+              <a:t>Hardware Basics</a:t>
+            </a:r>
+          </a:p>
+        </p:txBody>
+      </p:sp>
+      <p:sp>
+        <p:nvSpPr>
+          <p:cNvPr id="5" name="object 5"/>
           <p:cNvSpPr txBox="1">
             <a:spLocks noGrp="1"/>
           </p:cNvSpPr>
@@ -12289,35 +13034,23 @@
           </a:p>
         </p:txBody>
       </p:sp>
-      <p:pic>
-        <p:nvPicPr>
-          <p:cNvPr id="8" name="Picture 7"/>
-          <p:cNvPicPr>
-            <a:picLocks noChangeAspect="1"/>
-          </p:cNvPicPr>
-          <p:nvPr/>
-        </p:nvPicPr>
-        <p:blipFill>
-          <a:blip r:embed="rId2"/>
-          <a:stretch>
-            <a:fillRect/>
-          </a:stretch>
-        </p:blipFill>
-        <p:spPr>
-          <a:xfrm>
-            <a:off x="6456979" y="1143000"/>
-            <a:ext cx="4249978" cy="4657725"/>
-          </a:xfrm>
-          <a:prstGeom prst="rect">
-            <a:avLst/>
-          </a:prstGeom>
-        </p:spPr>
-      </p:pic>
     </p:spTree>
+    <p:extLst>
+      <p:ext uri="{BB962C8B-B14F-4D97-AF65-F5344CB8AC3E}">
+        <p14:creationId xmlns:p14="http://schemas.microsoft.com/office/powerpoint/2010/main" val="2130405306"/>
+      </p:ext>
+    </p:extLst>
   </p:cSld>
   <p:clrMapOvr>
     <a:masterClrMapping/>
   </p:clrMapOvr>
+  <p:timing>
+    <p:tnLst>
+      <p:par>
+        <p:cTn id="1" dur="indefinite" restart="never" nodeType="tmRoot"/>
+      </p:par>
+    </p:tnLst>
+  </p:timing>
 </p:sld>
 </file>
 
@@ -12606,6 +13339,13 @@
   <p:clrMapOvr>
     <a:masterClrMapping/>
   </p:clrMapOvr>
+  <p:timing>
+    <p:tnLst>
+      <p:par>
+        <p:cTn id="1" dur="indefinite" restart="never" nodeType="tmRoot"/>
+      </p:par>
+    </p:tnLst>
+  </p:timing>
 </p:sld>
 </file>
 
@@ -12890,6 +13630,13 @@
   <p:clrMapOvr>
     <a:masterClrMapping/>
   </p:clrMapOvr>
+  <p:timing>
+    <p:tnLst>
+      <p:par>
+        <p:cTn id="1" dur="indefinite" restart="never" nodeType="tmRoot"/>
+      </p:par>
+    </p:tnLst>
+  </p:timing>
 </p:sld>
 </file>
 

--- a/computer-basics-soft-skills/day1/Computer Skills and Soft Skills - Lec-1.pptx
+++ b/computer-basics-soft-skills/day1/Computer Skills and Soft Skills - Lec-1.pptx
@@ -213,7 +213,7 @@
           <a:p>
             <a:fld id="{1D8BD707-D9CF-40AE-B4C6-C98DA3205C09}" type="datetimeFigureOut">
               <a:rPr lang="en-US"/>
-              <a:t>11/2/2025</a:t>
+              <a:t>11/3/2025</a:t>
             </a:fld>
             <a:endParaRPr lang="en-US"/>
           </a:p>
@@ -396,7 +396,7 @@
           <a:p>
             <a:fld id="{1D8BD707-D9CF-40AE-B4C6-C98DA3205C09}" type="datetimeFigureOut">
               <a:rPr lang="en-US"/>
-              <a:t>11/2/2025</a:t>
+              <a:t>11/3/2025</a:t>
             </a:fld>
             <a:endParaRPr lang="en-US"/>
           </a:p>
@@ -616,7 +616,7 @@
           <a:p>
             <a:fld id="{1D8BD707-D9CF-40AE-B4C6-C98DA3205C09}" type="datetimeFigureOut">
               <a:rPr lang="en-US"/>
-              <a:t>11/2/2025</a:t>
+              <a:t>11/3/2025</a:t>
             </a:fld>
             <a:endParaRPr lang="en-US"/>
           </a:p>
@@ -1031,7 +1031,7 @@
           <a:p>
             <a:fld id="{1D8BD707-D9CF-40AE-B4C6-C98DA3205C09}" type="datetimeFigureOut">
               <a:rPr lang="en-US"/>
-              <a:t>11/2/2025</a:t>
+              <a:t>11/3/2025</a:t>
             </a:fld>
             <a:endParaRPr lang="en-US"/>
           </a:p>
@@ -1156,7 +1156,7 @@
           <a:p>
             <a:fld id="{1D8BD707-D9CF-40AE-B4C6-C98DA3205C09}" type="datetimeFigureOut">
               <a:rPr lang="en-US"/>
-              <a:t>11/2/2025</a:t>
+              <a:t>11/3/2025</a:t>
             </a:fld>
             <a:endParaRPr lang="en-US"/>
           </a:p>
@@ -1662,7 +1662,7 @@
           <a:p>
             <a:fld id="{1D8BD707-D9CF-40AE-B4C6-C98DA3205C09}" type="datetimeFigureOut">
               <a:rPr lang="en-US"/>
-              <a:t>11/2/2025</a:t>
+              <a:t>11/3/2025</a:t>
             </a:fld>
             <a:endParaRPr lang="en-US"/>
           </a:p>
@@ -1729,7 +1729,7 @@
           <p:nvPr userDrawn="1">
             <p:extLst>
               <p:ext uri="{1162E1C5-73C7-4A58-AE30-91384D911F3F}">
-                <p184:classification xmlns="" xmlns:p184="http://schemas.microsoft.com/office/powerpoint/2018/4/main" val="ftr"/>
+                <p184:classification xmlns:p184="http://schemas.microsoft.com/office/powerpoint/2018/4/main" xmlns="" val="ftr"/>
               </p:ext>
             </p:extLst>
           </p:nvPr>
@@ -11915,7 +11915,7 @@
             <a:r>
               <a:rPr lang="en-US" sz="2000" b="1" dirty="0">
                 <a:solidFill>
-                  <a:srgbClr val="585858"/>
+                  <a:srgbClr val="2D5395"/>
                 </a:solidFill>
                 <a:latin typeface="Calibri"/>
                 <a:cs typeface="Calibri"/>
@@ -11925,7 +11925,7 @@
             <a:r>
               <a:rPr lang="en-US" sz="2000" dirty="0">
                 <a:solidFill>
-                  <a:srgbClr val="585858"/>
+                  <a:srgbClr val="2D5395"/>
                 </a:solidFill>
                 <a:latin typeface="Calibri"/>
                 <a:cs typeface="Calibri"/>
@@ -12055,7 +12055,7 @@
             <a:r>
               <a:rPr lang="en-US" sz="2000" b="1" dirty="0">
                 <a:solidFill>
-                  <a:srgbClr val="585858"/>
+                  <a:srgbClr val="2D5395"/>
                 </a:solidFill>
                 <a:latin typeface="Calibri"/>
                 <a:cs typeface="Calibri"/>
@@ -12065,7 +12065,7 @@
             <a:r>
               <a:rPr lang="en-US" sz="2000" dirty="0">
                 <a:solidFill>
-                  <a:srgbClr val="585858"/>
+                  <a:srgbClr val="2D5395"/>
                 </a:solidFill>
                 <a:latin typeface="Calibri"/>
                 <a:cs typeface="Calibri"/>
@@ -12125,7 +12125,7 @@
             <a:r>
               <a:rPr lang="en-US" sz="2000" b="1" dirty="0">
                 <a:solidFill>
-                  <a:srgbClr val="585858"/>
+                  <a:srgbClr val="2D5395"/>
                 </a:solidFill>
                 <a:latin typeface="Calibri"/>
                 <a:cs typeface="Calibri"/>
@@ -12135,7 +12135,7 @@
             <a:r>
               <a:rPr lang="en-US" sz="2000" dirty="0">
                 <a:solidFill>
-                  <a:srgbClr val="585858"/>
+                  <a:srgbClr val="2D5395"/>
                 </a:solidFill>
                 <a:latin typeface="Calibri"/>
                 <a:cs typeface="Calibri"/>
@@ -12160,7 +12160,7 @@
             <a:r>
               <a:rPr lang="en-US" sz="2000" b="1" dirty="0">
                 <a:solidFill>
-                  <a:srgbClr val="585858"/>
+                  <a:srgbClr val="2D5395"/>
                 </a:solidFill>
                 <a:latin typeface="Calibri"/>
                 <a:cs typeface="Calibri"/>
@@ -12170,7 +12170,7 @@
             <a:r>
               <a:rPr lang="en-US" sz="2000" dirty="0">
                 <a:solidFill>
-                  <a:srgbClr val="585858"/>
+                  <a:srgbClr val="2D5395"/>
                 </a:solidFill>
                 <a:latin typeface="Calibri"/>
                 <a:cs typeface="Calibri"/>
@@ -12195,7 +12195,7 @@
             <a:r>
               <a:rPr lang="en-US" sz="2000" b="1" dirty="0">
                 <a:solidFill>
-                  <a:srgbClr val="585858"/>
+                  <a:srgbClr val="2D5395"/>
                 </a:solidFill>
                 <a:latin typeface="Calibri"/>
                 <a:cs typeface="Calibri"/>
@@ -12205,7 +12205,7 @@
             <a:r>
               <a:rPr lang="en-US" sz="2000" dirty="0">
                 <a:solidFill>
-                  <a:srgbClr val="585858"/>
+                  <a:srgbClr val="2D5395"/>
                 </a:solidFill>
                 <a:latin typeface="Calibri"/>
                 <a:cs typeface="Calibri"/>
